--- a/Oneiric_Coins_Group44.pptx
+++ b/Oneiric_Coins_Group44.pptx
@@ -34477,7 +34477,10 @@
             <a:r>
               <a:rPr lang="en-IN" sz="2400" dirty="0">
                 <a:solidFill>
-                  <a:schemeClr val="accent3"/>
+                  <a:schemeClr val="accent1">
+                    <a:lumMod val="40000"/>
+                    <a:lumOff val="60000"/>
+                  </a:schemeClr>
                 </a:solidFill>
               </a:rPr>
               <a:t>EXPRESS JS</a:t>

--- a/Oneiric_Coins_Group44.pptx
+++ b/Oneiric_Coins_Group44.pptx
@@ -31,7 +31,7 @@
       <p:bold r:id="rId17"/>
     </p:embeddedFont>
     <p:embeddedFont>
-      <p:font typeface="Fira Sans Condensed Medium" panose="020B0603050000020004" pitchFamily="34" charset="0"/>
+      <p:font typeface="Fira Sans Condensed Medium" panose="020F0502020204030204" pitchFamily="34" charset="0"/>
       <p:regular r:id="rId18"/>
       <p:bold r:id="rId19"/>
       <p:italic r:id="rId20"/>
@@ -43,7 +43,7 @@
       <p:bold r:id="rId23"/>
     </p:embeddedFont>
     <p:embeddedFont>
-      <p:font typeface="Roboto Condensed" panose="020F0502020204030204" pitchFamily="34" charset="0"/>
+      <p:font typeface="Roboto Condensed" panose="02000000000000000000" pitchFamily="2" charset="0"/>
       <p:regular r:id="rId24"/>
       <p:bold r:id="rId25"/>
       <p:italic r:id="rId26"/>
@@ -29063,16 +29063,15 @@
           </p:cNvPicPr>
           <p:nvPr/>
         </p:nvPicPr>
-        <p:blipFill>
+        <p:blipFill rotWithShape="1">
           <a:blip r:embed="rId2"/>
-          <a:stretch>
-            <a:fillRect/>
-          </a:stretch>
+          <a:srcRect b="19874"/>
+          <a:stretch/>
         </p:blipFill>
         <p:spPr>
           <a:xfrm>
-            <a:off x="938477" y="1419476"/>
-            <a:ext cx="7084166" cy="3005588"/>
+            <a:off x="693929" y="1451374"/>
+            <a:ext cx="7084166" cy="2408245"/>
           </a:xfrm>
           <a:prstGeom prst="rect">
             <a:avLst/>
@@ -39527,7 +39526,7 @@
             </a:pPr>
             <a:r>
               <a:rPr lang="en-US" dirty="0"/>
-              <a:t>WITH RSA</a:t>
+              <a:t>WITH ELLIPTIC CURVE CRYPTOGRAPHY</a:t>
             </a:r>
             <a:endParaRPr dirty="0"/>
           </a:p>
